--- a/inst/template.pptx
+++ b/inst/template.pptx
@@ -8,6 +8,8 @@
     <p:sldId id="256" r:id="rId2"/>
     <p:sldId id="257" r:id="rId3"/>
     <p:sldId id="258" r:id="rId4"/>
+    <p:sldId id="259" r:id="rId5"/>
+    <p:sldId id="260" r:id="rId6"/>
   </p:sldIdLst>
   <p:sldSz cx="9144000" cy="6858000" type="screen4x3"/>
   <p:notesSz cx="6858000" cy="9144000"/>
@@ -291,7 +293,7 @@
             <a:fld id="{9FADFB46-7370-4D89-8DEB-8C3272B5D011}" type="datetimeFigureOut">
               <a:rPr lang="de-DE" smtClean="0"/>
               <a:pPr/>
-              <a:t>02.09.2015</a:t>
+              <a:t>09.09.2015</a:t>
             </a:fld>
             <a:endParaRPr lang="de-DE"/>
           </a:p>
@@ -458,7 +460,7 @@
             <a:fld id="{9FADFB46-7370-4D89-8DEB-8C3272B5D011}" type="datetimeFigureOut">
               <a:rPr lang="de-DE" smtClean="0"/>
               <a:pPr/>
-              <a:t>02.09.2015</a:t>
+              <a:t>09.09.2015</a:t>
             </a:fld>
             <a:endParaRPr lang="de-DE"/>
           </a:p>
@@ -635,7 +637,7 @@
             <a:fld id="{9FADFB46-7370-4D89-8DEB-8C3272B5D011}" type="datetimeFigureOut">
               <a:rPr lang="de-DE" smtClean="0"/>
               <a:pPr/>
-              <a:t>02.09.2015</a:t>
+              <a:t>09.09.2015</a:t>
             </a:fld>
             <a:endParaRPr lang="de-DE"/>
           </a:p>
@@ -802,7 +804,7 @@
             <a:fld id="{9FADFB46-7370-4D89-8DEB-8C3272B5D011}" type="datetimeFigureOut">
               <a:rPr lang="de-DE" smtClean="0"/>
               <a:pPr/>
-              <a:t>02.09.2015</a:t>
+              <a:t>09.09.2015</a:t>
             </a:fld>
             <a:endParaRPr lang="de-DE"/>
           </a:p>
@@ -1045,7 +1047,7 @@
             <a:fld id="{9FADFB46-7370-4D89-8DEB-8C3272B5D011}" type="datetimeFigureOut">
               <a:rPr lang="de-DE" smtClean="0"/>
               <a:pPr/>
-              <a:t>02.09.2015</a:t>
+              <a:t>09.09.2015</a:t>
             </a:fld>
             <a:endParaRPr lang="de-DE"/>
           </a:p>
@@ -1330,7 +1332,7 @@
             <a:fld id="{9FADFB46-7370-4D89-8DEB-8C3272B5D011}" type="datetimeFigureOut">
               <a:rPr lang="de-DE" smtClean="0"/>
               <a:pPr/>
-              <a:t>02.09.2015</a:t>
+              <a:t>09.09.2015</a:t>
             </a:fld>
             <a:endParaRPr lang="de-DE"/>
           </a:p>
@@ -1749,7 +1751,7 @@
             <a:fld id="{9FADFB46-7370-4D89-8DEB-8C3272B5D011}" type="datetimeFigureOut">
               <a:rPr lang="de-DE" smtClean="0"/>
               <a:pPr/>
-              <a:t>02.09.2015</a:t>
+              <a:t>09.09.2015</a:t>
             </a:fld>
             <a:endParaRPr lang="de-DE"/>
           </a:p>
@@ -1864,7 +1866,7 @@
             <a:fld id="{9FADFB46-7370-4D89-8DEB-8C3272B5D011}" type="datetimeFigureOut">
               <a:rPr lang="de-DE" smtClean="0"/>
               <a:pPr/>
-              <a:t>02.09.2015</a:t>
+              <a:t>09.09.2015</a:t>
             </a:fld>
             <a:endParaRPr lang="de-DE"/>
           </a:p>
@@ -1956,7 +1958,7 @@
             <a:fld id="{9FADFB46-7370-4D89-8DEB-8C3272B5D011}" type="datetimeFigureOut">
               <a:rPr lang="de-DE" smtClean="0"/>
               <a:pPr/>
-              <a:t>02.09.2015</a:t>
+              <a:t>09.09.2015</a:t>
             </a:fld>
             <a:endParaRPr lang="de-DE"/>
           </a:p>
@@ -2230,7 +2232,7 @@
             <a:fld id="{9FADFB46-7370-4D89-8DEB-8C3272B5D011}" type="datetimeFigureOut">
               <a:rPr lang="de-DE" smtClean="0"/>
               <a:pPr/>
-              <a:t>02.09.2015</a:t>
+              <a:t>09.09.2015</a:t>
             </a:fld>
             <a:endParaRPr lang="de-DE"/>
           </a:p>
@@ -2480,7 +2482,7 @@
             <a:fld id="{9FADFB46-7370-4D89-8DEB-8C3272B5D011}" type="datetimeFigureOut">
               <a:rPr lang="de-DE" smtClean="0"/>
               <a:pPr/>
-              <a:t>02.09.2015</a:t>
+              <a:t>09.09.2015</a:t>
             </a:fld>
             <a:endParaRPr lang="de-DE"/>
           </a:p>
@@ -2690,7 +2692,7 @@
             <a:fld id="{9FADFB46-7370-4D89-8DEB-8C3272B5D011}" type="datetimeFigureOut">
               <a:rPr lang="de-DE" smtClean="0"/>
               <a:pPr/>
-              <a:t>02.09.2015</a:t>
+              <a:t>09.09.2015</a:t>
             </a:fld>
             <a:endParaRPr lang="de-DE"/>
           </a:p>
@@ -3145,11 +3147,7 @@
             </a:r>
             <a:r>
               <a:rPr lang="de-DE" smtClean="0"/>
-              <a:t>tag </a:t>
-            </a:r>
-            <a:r>
-              <a:rPr lang="de-DE" smtClean="0"/>
-              <a:t>2]]</a:t>
+              <a:t>tag 2]]</a:t>
             </a:r>
             <a:endParaRPr lang="de-DE" dirty="0" smtClean="0"/>
           </a:p>
@@ -3210,6 +3208,189 @@
             <a:r>
               <a:rPr lang="de-DE" smtClean="0"/>
               <a:t>tag 2]]</a:t>
+            </a:r>
+            <a:endParaRPr lang="de-DE" dirty="0" smtClean="0"/>
+          </a:p>
+        </p:txBody>
+      </p:sp>
+    </p:spTree>
+  </p:cSld>
+  <p:clrMapOvr>
+    <a:masterClrMapping/>
+  </p:clrMapOvr>
+</p:sld>
+</file>
+
+<file path=ppt/slides/slide4.xml><?xml version="1.0" encoding="utf-8"?>
+<p:sld xmlns:a="http://schemas.openxmlformats.org/drawingml/2006/main" xmlns:r="http://schemas.openxmlformats.org/officeDocument/2006/relationships" xmlns:p="http://schemas.openxmlformats.org/presentationml/2006/main">
+  <p:cSld>
+    <p:spTree>
+      <p:nvGrpSpPr>
+        <p:cNvPr id="1" name=""/>
+        <p:cNvGrpSpPr/>
+        <p:nvPr/>
+      </p:nvGrpSpPr>
+      <p:grpSpPr>
+        <a:xfrm>
+          <a:off x="0" y="0"/>
+          <a:ext cx="0" cy="0"/>
+          <a:chOff x="0" y="0"/>
+          <a:chExt cx="0" cy="0"/>
+        </a:xfrm>
+      </p:grpSpPr>
+      <p:sp>
+        <p:nvSpPr>
+          <p:cNvPr id="3" name="Rechteck 2"/>
+          <p:cNvSpPr/>
+          <p:nvPr/>
+        </p:nvSpPr>
+        <p:spPr>
+          <a:xfrm>
+            <a:off x="1403648" y="1268760"/>
+            <a:ext cx="6192688" cy="4176464"/>
+          </a:xfrm>
+          <a:prstGeom prst="rect">
+            <a:avLst/>
+          </a:prstGeom>
+        </p:spPr>
+        <p:style>
+          <a:lnRef idx="2">
+            <a:schemeClr val="dk1"/>
+          </a:lnRef>
+          <a:fillRef idx="1">
+            <a:schemeClr val="lt1"/>
+          </a:fillRef>
+          <a:effectRef idx="0">
+            <a:schemeClr val="dk1"/>
+          </a:effectRef>
+          <a:fontRef idx="minor">
+            <a:schemeClr val="dk1"/>
+          </a:fontRef>
+        </p:style>
+        <p:txBody>
+          <a:bodyPr rtlCol="0" anchor="ctr"/>
+          <a:lstStyle/>
+          <a:p>
+            <a:pPr algn="ctr"/>
+            <a:r>
+              <a:rPr lang="de-DE" dirty="0" smtClean="0"/>
+              <a:t>[[tag 1]]</a:t>
+            </a:r>
+          </a:p>
+        </p:txBody>
+      </p:sp>
+    </p:spTree>
+  </p:cSld>
+  <p:clrMapOvr>
+    <a:masterClrMapping/>
+  </p:clrMapOvr>
+</p:sld>
+</file>
+
+<file path=ppt/slides/slide5.xml><?xml version="1.0" encoding="utf-8"?>
+<p:sld xmlns:a="http://schemas.openxmlformats.org/drawingml/2006/main" xmlns:r="http://schemas.openxmlformats.org/officeDocument/2006/relationships" xmlns:p="http://schemas.openxmlformats.org/presentationml/2006/main">
+  <p:cSld>
+    <p:spTree>
+      <p:nvGrpSpPr>
+        <p:cNvPr id="1" name=""/>
+        <p:cNvGrpSpPr/>
+        <p:nvPr/>
+      </p:nvGrpSpPr>
+      <p:grpSpPr>
+        <a:xfrm>
+          <a:off x="0" y="0"/>
+          <a:ext cx="0" cy="0"/>
+          <a:chOff x="0" y="0"/>
+          <a:chExt cx="0" cy="0"/>
+        </a:xfrm>
+      </p:grpSpPr>
+      <p:sp>
+        <p:nvSpPr>
+          <p:cNvPr id="3" name="Rechteck 2"/>
+          <p:cNvSpPr/>
+          <p:nvPr/>
+        </p:nvSpPr>
+        <p:spPr>
+          <a:xfrm>
+            <a:off x="611560" y="836712"/>
+            <a:ext cx="3456384" cy="5112568"/>
+          </a:xfrm>
+          <a:prstGeom prst="rect">
+            <a:avLst/>
+          </a:prstGeom>
+        </p:spPr>
+        <p:style>
+          <a:lnRef idx="2">
+            <a:schemeClr val="dk1"/>
+          </a:lnRef>
+          <a:fillRef idx="1">
+            <a:schemeClr val="lt1"/>
+          </a:fillRef>
+          <a:effectRef idx="0">
+            <a:schemeClr val="dk1"/>
+          </a:effectRef>
+          <a:fontRef idx="minor">
+            <a:schemeClr val="dk1"/>
+          </a:fontRef>
+        </p:style>
+        <p:txBody>
+          <a:bodyPr rtlCol="0" anchor="ctr"/>
+          <a:lstStyle/>
+          <a:p>
+            <a:pPr algn="ctr"/>
+            <a:r>
+              <a:rPr lang="de-DE" dirty="0" smtClean="0"/>
+              <a:t>[[tag 2</a:t>
+            </a:r>
+            <a:r>
+              <a:rPr lang="de-DE" dirty="0" smtClean="0"/>
+              <a:t>]]</a:t>
+            </a:r>
+            <a:endParaRPr lang="de-DE" dirty="0" smtClean="0"/>
+          </a:p>
+        </p:txBody>
+      </p:sp>
+      <p:sp>
+        <p:nvSpPr>
+          <p:cNvPr id="4" name="Rechteck 3"/>
+          <p:cNvSpPr/>
+          <p:nvPr/>
+        </p:nvSpPr>
+        <p:spPr>
+          <a:xfrm>
+            <a:off x="4860032" y="836712"/>
+            <a:ext cx="3456384" cy="5112568"/>
+          </a:xfrm>
+          <a:prstGeom prst="rect">
+            <a:avLst/>
+          </a:prstGeom>
+        </p:spPr>
+        <p:style>
+          <a:lnRef idx="2">
+            <a:schemeClr val="dk1"/>
+          </a:lnRef>
+          <a:fillRef idx="1">
+            <a:schemeClr val="lt1"/>
+          </a:fillRef>
+          <a:effectRef idx="0">
+            <a:schemeClr val="dk1"/>
+          </a:effectRef>
+          <a:fontRef idx="minor">
+            <a:schemeClr val="dk1"/>
+          </a:fontRef>
+        </p:style>
+        <p:txBody>
+          <a:bodyPr rtlCol="0" anchor="ctr"/>
+          <a:lstStyle/>
+          <a:p>
+            <a:pPr algn="ctr"/>
+            <a:r>
+              <a:rPr lang="de-DE" dirty="0" smtClean="0"/>
+              <a:t>[[tag 2</a:t>
+            </a:r>
+            <a:r>
+              <a:rPr lang="de-DE" dirty="0" smtClean="0"/>
+              <a:t>]]</a:t>
             </a:r>
             <a:endParaRPr lang="de-DE" dirty="0" smtClean="0"/>
           </a:p>

--- a/inst/template.pptx
+++ b/inst/template.pptx
@@ -8,8 +8,7 @@
     <p:sldId id="256" r:id="rId2"/>
     <p:sldId id="257" r:id="rId3"/>
     <p:sldId id="258" r:id="rId4"/>
-    <p:sldId id="259" r:id="rId5"/>
-    <p:sldId id="260" r:id="rId6"/>
+    <p:sldId id="260" r:id="rId5"/>
   </p:sldIdLst>
   <p:sldSz cx="9144000" cy="6858000" type="screen4x3"/>
   <p:notesSz cx="6858000" cy="9144000"/>
@@ -108,6 +107,22 @@
       </a:defRPr>
     </a:lvl9pPr>
   </p:defaultTextStyle>
+  <p:extLst>
+    <p:ext uri="{EFAFB233-063F-42B5-8137-9DF3F51BA10A}">
+      <p15:sldGuideLst xmlns:p15="http://schemas.microsoft.com/office/powerpoint/2012/main">
+        <p15:guide id="1" orient="horz" pos="2160">
+          <p15:clr>
+            <a:srgbClr val="A4A3A4"/>
+          </p15:clr>
+        </p15:guide>
+        <p15:guide id="2" pos="2880">
+          <p15:clr>
+            <a:srgbClr val="A4A3A4"/>
+          </p15:clr>
+        </p15:guide>
+      </p15:sldGuideLst>
+    </p:ext>
+  </p:extLst>
 </p:presentation>
 </file>
 
@@ -149,10 +164,9 @@
           <a:lstStyle/>
           <a:p>
             <a:r>
-              <a:rPr lang="de-DE" smtClean="0"/>
+              <a:rPr lang="de-DE"/>
               <a:t>Titelmasterformat durch Klicken bearbeiten</a:t>
             </a:r>
-            <a:endParaRPr lang="de-DE"/>
           </a:p>
         </p:txBody>
       </p:sp>
@@ -268,10 +282,9 @@
           </a:lstStyle>
           <a:p>
             <a:r>
-              <a:rPr lang="de-DE" smtClean="0"/>
+              <a:rPr lang="de-DE"/>
               <a:t>Formatvorlage des Untertitelmasters durch Klicken bearbeiten</a:t>
             </a:r>
-            <a:endParaRPr lang="de-DE"/>
           </a:p>
         </p:txBody>
       </p:sp>
@@ -293,7 +306,7 @@
             <a:fld id="{9FADFB46-7370-4D89-8DEB-8C3272B5D011}" type="datetimeFigureOut">
               <a:rPr lang="de-DE" smtClean="0"/>
               <a:pPr/>
-              <a:t>09.09.2015</a:t>
+              <a:t>02.07.2018</a:t>
             </a:fld>
             <a:endParaRPr lang="de-DE"/>
           </a:p>
@@ -383,10 +396,9 @@
           <a:lstStyle/>
           <a:p>
             <a:r>
-              <a:rPr lang="de-DE" smtClean="0"/>
+              <a:rPr lang="de-DE"/>
               <a:t>Titelmasterformat durch Klicken bearbeiten</a:t>
             </a:r>
-            <a:endParaRPr lang="de-DE"/>
           </a:p>
         </p:txBody>
       </p:sp>
@@ -407,38 +419,37 @@
           <a:p>
             <a:pPr lvl="0"/>
             <a:r>
-              <a:rPr lang="de-DE" smtClean="0"/>
+              <a:rPr lang="de-DE"/>
               <a:t>Textmasterformate durch Klicken bearbeiten</a:t>
             </a:r>
           </a:p>
           <a:p>
             <a:pPr lvl="1"/>
             <a:r>
-              <a:rPr lang="de-DE" smtClean="0"/>
+              <a:rPr lang="de-DE"/>
               <a:t>Zweite Ebene</a:t>
             </a:r>
           </a:p>
           <a:p>
             <a:pPr lvl="2"/>
             <a:r>
-              <a:rPr lang="de-DE" smtClean="0"/>
+              <a:rPr lang="de-DE"/>
               <a:t>Dritte Ebene</a:t>
             </a:r>
           </a:p>
           <a:p>
             <a:pPr lvl="3"/>
             <a:r>
-              <a:rPr lang="de-DE" smtClean="0"/>
+              <a:rPr lang="de-DE"/>
               <a:t>Vierte Ebene</a:t>
             </a:r>
           </a:p>
           <a:p>
             <a:pPr lvl="4"/>
             <a:r>
-              <a:rPr lang="de-DE" smtClean="0"/>
+              <a:rPr lang="de-DE"/>
               <a:t>Fünfte Ebene</a:t>
             </a:r>
-            <a:endParaRPr lang="de-DE"/>
           </a:p>
         </p:txBody>
       </p:sp>
@@ -460,7 +471,7 @@
             <a:fld id="{9FADFB46-7370-4D89-8DEB-8C3272B5D011}" type="datetimeFigureOut">
               <a:rPr lang="de-DE" smtClean="0"/>
               <a:pPr/>
-              <a:t>09.09.2015</a:t>
+              <a:t>02.07.2018</a:t>
             </a:fld>
             <a:endParaRPr lang="de-DE"/>
           </a:p>
@@ -555,10 +566,9 @@
           <a:lstStyle/>
           <a:p>
             <a:r>
-              <a:rPr lang="de-DE" smtClean="0"/>
+              <a:rPr lang="de-DE"/>
               <a:t>Titelmasterformat durch Klicken bearbeiten</a:t>
             </a:r>
-            <a:endParaRPr lang="de-DE"/>
           </a:p>
         </p:txBody>
       </p:sp>
@@ -584,38 +594,37 @@
           <a:p>
             <a:pPr lvl="0"/>
             <a:r>
-              <a:rPr lang="de-DE" smtClean="0"/>
+              <a:rPr lang="de-DE"/>
               <a:t>Textmasterformate durch Klicken bearbeiten</a:t>
             </a:r>
           </a:p>
           <a:p>
             <a:pPr lvl="1"/>
             <a:r>
-              <a:rPr lang="de-DE" smtClean="0"/>
+              <a:rPr lang="de-DE"/>
               <a:t>Zweite Ebene</a:t>
             </a:r>
           </a:p>
           <a:p>
             <a:pPr lvl="2"/>
             <a:r>
-              <a:rPr lang="de-DE" smtClean="0"/>
+              <a:rPr lang="de-DE"/>
               <a:t>Dritte Ebene</a:t>
             </a:r>
           </a:p>
           <a:p>
             <a:pPr lvl="3"/>
             <a:r>
-              <a:rPr lang="de-DE" smtClean="0"/>
+              <a:rPr lang="de-DE"/>
               <a:t>Vierte Ebene</a:t>
             </a:r>
           </a:p>
           <a:p>
             <a:pPr lvl="4"/>
             <a:r>
-              <a:rPr lang="de-DE" smtClean="0"/>
+              <a:rPr lang="de-DE"/>
               <a:t>Fünfte Ebene</a:t>
             </a:r>
-            <a:endParaRPr lang="de-DE"/>
           </a:p>
         </p:txBody>
       </p:sp>
@@ -637,7 +646,7 @@
             <a:fld id="{9FADFB46-7370-4D89-8DEB-8C3272B5D011}" type="datetimeFigureOut">
               <a:rPr lang="de-DE" smtClean="0"/>
               <a:pPr/>
-              <a:t>09.09.2015</a:t>
+              <a:t>02.07.2018</a:t>
             </a:fld>
             <a:endParaRPr lang="de-DE"/>
           </a:p>
@@ -727,10 +736,9 @@
           <a:lstStyle/>
           <a:p>
             <a:r>
-              <a:rPr lang="de-DE" smtClean="0"/>
+              <a:rPr lang="de-DE"/>
               <a:t>Titelmasterformat durch Klicken bearbeiten</a:t>
             </a:r>
-            <a:endParaRPr lang="de-DE"/>
           </a:p>
         </p:txBody>
       </p:sp>
@@ -751,38 +759,37 @@
           <a:p>
             <a:pPr lvl="0"/>
             <a:r>
-              <a:rPr lang="de-DE" smtClean="0"/>
+              <a:rPr lang="de-DE"/>
               <a:t>Textmasterformate durch Klicken bearbeiten</a:t>
             </a:r>
           </a:p>
           <a:p>
             <a:pPr lvl="1"/>
             <a:r>
-              <a:rPr lang="de-DE" smtClean="0"/>
+              <a:rPr lang="de-DE"/>
               <a:t>Zweite Ebene</a:t>
             </a:r>
           </a:p>
           <a:p>
             <a:pPr lvl="2"/>
             <a:r>
-              <a:rPr lang="de-DE" smtClean="0"/>
+              <a:rPr lang="de-DE"/>
               <a:t>Dritte Ebene</a:t>
             </a:r>
           </a:p>
           <a:p>
             <a:pPr lvl="3"/>
             <a:r>
-              <a:rPr lang="de-DE" smtClean="0"/>
+              <a:rPr lang="de-DE"/>
               <a:t>Vierte Ebene</a:t>
             </a:r>
           </a:p>
           <a:p>
             <a:pPr lvl="4"/>
             <a:r>
-              <a:rPr lang="de-DE" smtClean="0"/>
+              <a:rPr lang="de-DE"/>
               <a:t>Fünfte Ebene</a:t>
             </a:r>
-            <a:endParaRPr lang="de-DE"/>
           </a:p>
         </p:txBody>
       </p:sp>
@@ -804,7 +811,7 @@
             <a:fld id="{9FADFB46-7370-4D89-8DEB-8C3272B5D011}" type="datetimeFigureOut">
               <a:rPr lang="de-DE" smtClean="0"/>
               <a:pPr/>
-              <a:t>09.09.2015</a:t>
+              <a:t>02.07.2018</a:t>
             </a:fld>
             <a:endParaRPr lang="de-DE"/>
           </a:p>
@@ -903,10 +910,9 @@
           </a:lstStyle>
           <a:p>
             <a:r>
-              <a:rPr lang="de-DE" smtClean="0"/>
+              <a:rPr lang="de-DE"/>
               <a:t>Titelmasterformat durch Klicken bearbeiten</a:t>
             </a:r>
-            <a:endParaRPr lang="de-DE"/>
           </a:p>
         </p:txBody>
       </p:sp>
@@ -1023,7 +1029,7 @@
           <a:p>
             <a:pPr lvl="0"/>
             <a:r>
-              <a:rPr lang="de-DE" smtClean="0"/>
+              <a:rPr lang="de-DE"/>
               <a:t>Textmasterformate durch Klicken bearbeiten</a:t>
             </a:r>
           </a:p>
@@ -1047,7 +1053,7 @@
             <a:fld id="{9FADFB46-7370-4D89-8DEB-8C3272B5D011}" type="datetimeFigureOut">
               <a:rPr lang="de-DE" smtClean="0"/>
               <a:pPr/>
-              <a:t>09.09.2015</a:t>
+              <a:t>02.07.2018</a:t>
             </a:fld>
             <a:endParaRPr lang="de-DE"/>
           </a:p>
@@ -1137,10 +1143,9 @@
           <a:lstStyle/>
           <a:p>
             <a:r>
-              <a:rPr lang="de-DE" smtClean="0"/>
+              <a:rPr lang="de-DE"/>
               <a:t>Titelmasterformat durch Klicken bearbeiten</a:t>
             </a:r>
-            <a:endParaRPr lang="de-DE"/>
           </a:p>
         </p:txBody>
       </p:sp>
@@ -1194,38 +1199,37 @@
           <a:p>
             <a:pPr lvl="0"/>
             <a:r>
-              <a:rPr lang="de-DE" smtClean="0"/>
+              <a:rPr lang="de-DE"/>
               <a:t>Textmasterformate durch Klicken bearbeiten</a:t>
             </a:r>
           </a:p>
           <a:p>
             <a:pPr lvl="1"/>
             <a:r>
-              <a:rPr lang="de-DE" smtClean="0"/>
+              <a:rPr lang="de-DE"/>
               <a:t>Zweite Ebene</a:t>
             </a:r>
           </a:p>
           <a:p>
             <a:pPr lvl="2"/>
             <a:r>
-              <a:rPr lang="de-DE" smtClean="0"/>
+              <a:rPr lang="de-DE"/>
               <a:t>Dritte Ebene</a:t>
             </a:r>
           </a:p>
           <a:p>
             <a:pPr lvl="3"/>
             <a:r>
-              <a:rPr lang="de-DE" smtClean="0"/>
+              <a:rPr lang="de-DE"/>
               <a:t>Vierte Ebene</a:t>
             </a:r>
           </a:p>
           <a:p>
             <a:pPr lvl="4"/>
             <a:r>
-              <a:rPr lang="de-DE" smtClean="0"/>
+              <a:rPr lang="de-DE"/>
               <a:t>Fünfte Ebene</a:t>
             </a:r>
-            <a:endParaRPr lang="de-DE"/>
           </a:p>
         </p:txBody>
       </p:sp>
@@ -1279,38 +1283,37 @@
           <a:p>
             <a:pPr lvl="0"/>
             <a:r>
-              <a:rPr lang="de-DE" smtClean="0"/>
+              <a:rPr lang="de-DE"/>
               <a:t>Textmasterformate durch Klicken bearbeiten</a:t>
             </a:r>
           </a:p>
           <a:p>
             <a:pPr lvl="1"/>
             <a:r>
-              <a:rPr lang="de-DE" smtClean="0"/>
+              <a:rPr lang="de-DE"/>
               <a:t>Zweite Ebene</a:t>
             </a:r>
           </a:p>
           <a:p>
             <a:pPr lvl="2"/>
             <a:r>
-              <a:rPr lang="de-DE" smtClean="0"/>
+              <a:rPr lang="de-DE"/>
               <a:t>Dritte Ebene</a:t>
             </a:r>
           </a:p>
           <a:p>
             <a:pPr lvl="3"/>
             <a:r>
-              <a:rPr lang="de-DE" smtClean="0"/>
+              <a:rPr lang="de-DE"/>
               <a:t>Vierte Ebene</a:t>
             </a:r>
           </a:p>
           <a:p>
             <a:pPr lvl="4"/>
             <a:r>
-              <a:rPr lang="de-DE" smtClean="0"/>
+              <a:rPr lang="de-DE"/>
               <a:t>Fünfte Ebene</a:t>
             </a:r>
-            <a:endParaRPr lang="de-DE"/>
           </a:p>
         </p:txBody>
       </p:sp>
@@ -1332,7 +1335,7 @@
             <a:fld id="{9FADFB46-7370-4D89-8DEB-8C3272B5D011}" type="datetimeFigureOut">
               <a:rPr lang="de-DE" smtClean="0"/>
               <a:pPr/>
-              <a:t>09.09.2015</a:t>
+              <a:t>02.07.2018</a:t>
             </a:fld>
             <a:endParaRPr lang="de-DE"/>
           </a:p>
@@ -1426,10 +1429,9 @@
           </a:lstStyle>
           <a:p>
             <a:r>
-              <a:rPr lang="de-DE" smtClean="0"/>
+              <a:rPr lang="de-DE"/>
               <a:t>Titelmasterformat durch Klicken bearbeiten</a:t>
             </a:r>
-            <a:endParaRPr lang="de-DE"/>
           </a:p>
         </p:txBody>
       </p:sp>
@@ -1492,7 +1494,7 @@
           <a:p>
             <a:pPr lvl="0"/>
             <a:r>
-              <a:rPr lang="de-DE" smtClean="0"/>
+              <a:rPr lang="de-DE"/>
               <a:t>Textmasterformate durch Klicken bearbeiten</a:t>
             </a:r>
           </a:p>
@@ -1548,38 +1550,37 @@
           <a:p>
             <a:pPr lvl="0"/>
             <a:r>
-              <a:rPr lang="de-DE" smtClean="0"/>
+              <a:rPr lang="de-DE"/>
               <a:t>Textmasterformate durch Klicken bearbeiten</a:t>
             </a:r>
           </a:p>
           <a:p>
             <a:pPr lvl="1"/>
             <a:r>
-              <a:rPr lang="de-DE" smtClean="0"/>
+              <a:rPr lang="de-DE"/>
               <a:t>Zweite Ebene</a:t>
             </a:r>
           </a:p>
           <a:p>
             <a:pPr lvl="2"/>
             <a:r>
-              <a:rPr lang="de-DE" smtClean="0"/>
+              <a:rPr lang="de-DE"/>
               <a:t>Dritte Ebene</a:t>
             </a:r>
           </a:p>
           <a:p>
             <a:pPr lvl="3"/>
             <a:r>
-              <a:rPr lang="de-DE" smtClean="0"/>
+              <a:rPr lang="de-DE"/>
               <a:t>Vierte Ebene</a:t>
             </a:r>
           </a:p>
           <a:p>
             <a:pPr lvl="4"/>
             <a:r>
-              <a:rPr lang="de-DE" smtClean="0"/>
+              <a:rPr lang="de-DE"/>
               <a:t>Fünfte Ebene</a:t>
             </a:r>
-            <a:endParaRPr lang="de-DE"/>
           </a:p>
         </p:txBody>
       </p:sp>
@@ -1642,7 +1643,7 @@
           <a:p>
             <a:pPr lvl="0"/>
             <a:r>
-              <a:rPr lang="de-DE" smtClean="0"/>
+              <a:rPr lang="de-DE"/>
               <a:t>Textmasterformate durch Klicken bearbeiten</a:t>
             </a:r>
           </a:p>
@@ -1698,38 +1699,37 @@
           <a:p>
             <a:pPr lvl="0"/>
             <a:r>
-              <a:rPr lang="de-DE" smtClean="0"/>
+              <a:rPr lang="de-DE"/>
               <a:t>Textmasterformate durch Klicken bearbeiten</a:t>
             </a:r>
           </a:p>
           <a:p>
             <a:pPr lvl="1"/>
             <a:r>
-              <a:rPr lang="de-DE" smtClean="0"/>
+              <a:rPr lang="de-DE"/>
               <a:t>Zweite Ebene</a:t>
             </a:r>
           </a:p>
           <a:p>
             <a:pPr lvl="2"/>
             <a:r>
-              <a:rPr lang="de-DE" smtClean="0"/>
+              <a:rPr lang="de-DE"/>
               <a:t>Dritte Ebene</a:t>
             </a:r>
           </a:p>
           <a:p>
             <a:pPr lvl="3"/>
             <a:r>
-              <a:rPr lang="de-DE" smtClean="0"/>
+              <a:rPr lang="de-DE"/>
               <a:t>Vierte Ebene</a:t>
             </a:r>
           </a:p>
           <a:p>
             <a:pPr lvl="4"/>
             <a:r>
-              <a:rPr lang="de-DE" smtClean="0"/>
+              <a:rPr lang="de-DE"/>
               <a:t>Fünfte Ebene</a:t>
             </a:r>
-            <a:endParaRPr lang="de-DE"/>
           </a:p>
         </p:txBody>
       </p:sp>
@@ -1751,7 +1751,7 @@
             <a:fld id="{9FADFB46-7370-4D89-8DEB-8C3272B5D011}" type="datetimeFigureOut">
               <a:rPr lang="de-DE" smtClean="0"/>
               <a:pPr/>
-              <a:t>09.09.2015</a:t>
+              <a:t>02.07.2018</a:t>
             </a:fld>
             <a:endParaRPr lang="de-DE"/>
           </a:p>
@@ -1841,10 +1841,9 @@
           <a:lstStyle/>
           <a:p>
             <a:r>
-              <a:rPr lang="de-DE" smtClean="0"/>
+              <a:rPr lang="de-DE"/>
               <a:t>Titelmasterformat durch Klicken bearbeiten</a:t>
             </a:r>
-            <a:endParaRPr lang="de-DE"/>
           </a:p>
         </p:txBody>
       </p:sp>
@@ -1866,7 +1865,7 @@
             <a:fld id="{9FADFB46-7370-4D89-8DEB-8C3272B5D011}" type="datetimeFigureOut">
               <a:rPr lang="de-DE" smtClean="0"/>
               <a:pPr/>
-              <a:t>09.09.2015</a:t>
+              <a:t>02.07.2018</a:t>
             </a:fld>
             <a:endParaRPr lang="de-DE"/>
           </a:p>
@@ -1958,7 +1957,7 @@
             <a:fld id="{9FADFB46-7370-4D89-8DEB-8C3272B5D011}" type="datetimeFigureOut">
               <a:rPr lang="de-DE" smtClean="0"/>
               <a:pPr/>
-              <a:t>09.09.2015</a:t>
+              <a:t>02.07.2018</a:t>
             </a:fld>
             <a:endParaRPr lang="de-DE"/>
           </a:p>
@@ -2057,10 +2056,9 @@
           </a:lstStyle>
           <a:p>
             <a:r>
-              <a:rPr lang="de-DE" smtClean="0"/>
+              <a:rPr lang="de-DE"/>
               <a:t>Titelmasterformat durch Klicken bearbeiten</a:t>
             </a:r>
-            <a:endParaRPr lang="de-DE"/>
           </a:p>
         </p:txBody>
       </p:sp>
@@ -2114,38 +2112,37 @@
           <a:p>
             <a:pPr lvl="0"/>
             <a:r>
-              <a:rPr lang="de-DE" smtClean="0"/>
+              <a:rPr lang="de-DE"/>
               <a:t>Textmasterformate durch Klicken bearbeiten</a:t>
             </a:r>
           </a:p>
           <a:p>
             <a:pPr lvl="1"/>
             <a:r>
-              <a:rPr lang="de-DE" smtClean="0"/>
+              <a:rPr lang="de-DE"/>
               <a:t>Zweite Ebene</a:t>
             </a:r>
           </a:p>
           <a:p>
             <a:pPr lvl="2"/>
             <a:r>
-              <a:rPr lang="de-DE" smtClean="0"/>
+              <a:rPr lang="de-DE"/>
               <a:t>Dritte Ebene</a:t>
             </a:r>
           </a:p>
           <a:p>
             <a:pPr lvl="3"/>
             <a:r>
-              <a:rPr lang="de-DE" smtClean="0"/>
+              <a:rPr lang="de-DE"/>
               <a:t>Vierte Ebene</a:t>
             </a:r>
           </a:p>
           <a:p>
             <a:pPr lvl="4"/>
             <a:r>
-              <a:rPr lang="de-DE" smtClean="0"/>
+              <a:rPr lang="de-DE"/>
               <a:t>Fünfte Ebene</a:t>
             </a:r>
-            <a:endParaRPr lang="de-DE"/>
           </a:p>
         </p:txBody>
       </p:sp>
@@ -2208,7 +2205,7 @@
           <a:p>
             <a:pPr lvl="0"/>
             <a:r>
-              <a:rPr lang="de-DE" smtClean="0"/>
+              <a:rPr lang="de-DE"/>
               <a:t>Textmasterformate durch Klicken bearbeiten</a:t>
             </a:r>
           </a:p>
@@ -2232,7 +2229,7 @@
             <a:fld id="{9FADFB46-7370-4D89-8DEB-8C3272B5D011}" type="datetimeFigureOut">
               <a:rPr lang="de-DE" smtClean="0"/>
               <a:pPr/>
-              <a:t>09.09.2015</a:t>
+              <a:t>02.07.2018</a:t>
             </a:fld>
             <a:endParaRPr lang="de-DE"/>
           </a:p>
@@ -2331,10 +2328,9 @@
           </a:lstStyle>
           <a:p>
             <a:r>
-              <a:rPr lang="de-DE" smtClean="0"/>
+              <a:rPr lang="de-DE"/>
               <a:t>Titelmasterformat durch Klicken bearbeiten</a:t>
             </a:r>
-            <a:endParaRPr lang="de-DE"/>
           </a:p>
         </p:txBody>
       </p:sp>
@@ -2458,7 +2454,7 @@
           <a:p>
             <a:pPr lvl="0"/>
             <a:r>
-              <a:rPr lang="de-DE" smtClean="0"/>
+              <a:rPr lang="de-DE"/>
               <a:t>Textmasterformate durch Klicken bearbeiten</a:t>
             </a:r>
           </a:p>
@@ -2482,7 +2478,7 @@
             <a:fld id="{9FADFB46-7370-4D89-8DEB-8C3272B5D011}" type="datetimeFigureOut">
               <a:rPr lang="de-DE" smtClean="0"/>
               <a:pPr/>
-              <a:t>09.09.2015</a:t>
+              <a:t>02.07.2018</a:t>
             </a:fld>
             <a:endParaRPr lang="de-DE"/>
           </a:p>
@@ -2587,10 +2583,9 @@
           <a:lstStyle/>
           <a:p>
             <a:r>
-              <a:rPr lang="de-DE" smtClean="0"/>
+              <a:rPr lang="de-DE"/>
               <a:t>Titelmasterformat durch Klicken bearbeiten</a:t>
             </a:r>
-            <a:endParaRPr lang="de-DE"/>
           </a:p>
         </p:txBody>
       </p:sp>
@@ -2621,38 +2616,37 @@
           <a:p>
             <a:pPr lvl="0"/>
             <a:r>
-              <a:rPr lang="de-DE" smtClean="0"/>
+              <a:rPr lang="de-DE"/>
               <a:t>Textmasterformate durch Klicken bearbeiten</a:t>
             </a:r>
           </a:p>
           <a:p>
             <a:pPr lvl="1"/>
             <a:r>
-              <a:rPr lang="de-DE" smtClean="0"/>
+              <a:rPr lang="de-DE"/>
               <a:t>Zweite Ebene</a:t>
             </a:r>
           </a:p>
           <a:p>
             <a:pPr lvl="2"/>
             <a:r>
-              <a:rPr lang="de-DE" smtClean="0"/>
+              <a:rPr lang="de-DE"/>
               <a:t>Dritte Ebene</a:t>
             </a:r>
           </a:p>
           <a:p>
             <a:pPr lvl="3"/>
             <a:r>
-              <a:rPr lang="de-DE" smtClean="0"/>
+              <a:rPr lang="de-DE"/>
               <a:t>Vierte Ebene</a:t>
             </a:r>
           </a:p>
           <a:p>
             <a:pPr lvl="4"/>
             <a:r>
-              <a:rPr lang="de-DE" smtClean="0"/>
+              <a:rPr lang="de-DE"/>
               <a:t>Fünfte Ebene</a:t>
             </a:r>
-            <a:endParaRPr lang="de-DE"/>
           </a:p>
         </p:txBody>
       </p:sp>
@@ -2692,7 +2686,7 @@
             <a:fld id="{9FADFB46-7370-4D89-8DEB-8C3272B5D011}" type="datetimeFigureOut">
               <a:rPr lang="de-DE" smtClean="0"/>
               <a:pPr/>
-              <a:t>09.09.2015</a:t>
+              <a:t>02.07.2018</a:t>
             </a:fld>
             <a:endParaRPr lang="de-DE"/>
           </a:p>
@@ -3087,7 +3081,7 @@
           <a:p>
             <a:pPr algn="ctr"/>
             <a:r>
-              <a:rPr lang="de-DE" dirty="0" smtClean="0"/>
+              <a:rPr lang="de-DE" dirty="0"/>
               <a:t>[[tag 1]]</a:t>
             </a:r>
           </a:p>
@@ -3142,14 +3136,14 @@
           <a:p>
             <a:pPr algn="ctr"/>
             <a:r>
-              <a:rPr lang="de-DE" dirty="0" smtClean="0"/>
+              <a:rPr lang="de-DE" dirty="0"/>
               <a:t>[[</a:t>
             </a:r>
             <a:r>
-              <a:rPr lang="de-DE" smtClean="0"/>
+              <a:rPr lang="de-DE"/>
               <a:t>tag 2]]</a:t>
             </a:r>
-            <a:endParaRPr lang="de-DE" dirty="0" smtClean="0"/>
+            <a:endParaRPr lang="de-DE" dirty="0"/>
           </a:p>
         </p:txBody>
       </p:sp>
@@ -3202,14 +3196,14 @@
           <a:p>
             <a:pPr algn="ctr"/>
             <a:r>
-              <a:rPr lang="de-DE" dirty="0" smtClean="0"/>
+              <a:rPr lang="de-DE" dirty="0"/>
               <a:t>[[</a:t>
             </a:r>
             <a:r>
-              <a:rPr lang="de-DE" smtClean="0"/>
+              <a:rPr lang="de-DE"/>
               <a:t>tag 2]]</a:t>
             </a:r>
-            <a:endParaRPr lang="de-DE" dirty="0" smtClean="0"/>
+            <a:endParaRPr lang="de-DE" dirty="0"/>
           </a:p>
         </p:txBody>
       </p:sp>
@@ -3246,8 +3240,8 @@
         </p:nvSpPr>
         <p:spPr>
           <a:xfrm>
-            <a:off x="1403648" y="1268760"/>
-            <a:ext cx="6192688" cy="4176464"/>
+            <a:off x="611560" y="404664"/>
+            <a:ext cx="7704856" cy="3024336"/>
           </a:xfrm>
           <a:prstGeom prst="rect">
             <a:avLst/>
@@ -3273,47 +3267,22 @@
           <a:p>
             <a:pPr algn="ctr"/>
             <a:r>
-              <a:rPr lang="de-DE" dirty="0" smtClean="0"/>
+              <a:rPr lang="de-DE" dirty="0"/>
               <a:t>[[tag 1]]</a:t>
             </a:r>
           </a:p>
         </p:txBody>
       </p:sp>
-    </p:spTree>
-  </p:cSld>
-  <p:clrMapOvr>
-    <a:masterClrMapping/>
-  </p:clrMapOvr>
-</p:sld>
-</file>
-
-<file path=ppt/slides/slide5.xml><?xml version="1.0" encoding="utf-8"?>
-<p:sld xmlns:a="http://schemas.openxmlformats.org/drawingml/2006/main" xmlns:r="http://schemas.openxmlformats.org/officeDocument/2006/relationships" xmlns:p="http://schemas.openxmlformats.org/presentationml/2006/main">
-  <p:cSld>
-    <p:spTree>
-      <p:nvGrpSpPr>
-        <p:cNvPr id="1" name=""/>
-        <p:cNvGrpSpPr/>
-        <p:nvPr/>
-      </p:nvGrpSpPr>
-      <p:grpSpPr>
-        <a:xfrm>
-          <a:off x="0" y="0"/>
-          <a:ext cx="0" cy="0"/>
-          <a:chOff x="0" y="0"/>
-          <a:chExt cx="0" cy="0"/>
-        </a:xfrm>
-      </p:grpSpPr>
-      <p:sp>
-        <p:nvSpPr>
-          <p:cNvPr id="3" name="Rechteck 2"/>
+      <p:sp>
+        <p:nvSpPr>
+          <p:cNvPr id="4" name="Rechteck 3"/>
           <p:cNvSpPr/>
           <p:nvPr/>
         </p:nvSpPr>
         <p:spPr>
           <a:xfrm>
-            <a:off x="611560" y="836712"/>
-            <a:ext cx="3456384" cy="5112568"/>
+            <a:off x="4716018" y="4077071"/>
+            <a:ext cx="3600398" cy="2088232"/>
           </a:xfrm>
           <a:prstGeom prst="rect">
             <a:avLst/>
@@ -3339,27 +3308,28 @@
           <a:p>
             <a:pPr algn="ctr"/>
             <a:r>
-              <a:rPr lang="de-DE" dirty="0" smtClean="0"/>
-              <a:t>[[tag 2</a:t>
-            </a:r>
-            <a:r>
-              <a:rPr lang="de-DE" dirty="0" smtClean="0"/>
-              <a:t>]]</a:t>
-            </a:r>
-            <a:endParaRPr lang="de-DE" dirty="0" smtClean="0"/>
-          </a:p>
-        </p:txBody>
-      </p:sp>
-      <p:sp>
-        <p:nvSpPr>
-          <p:cNvPr id="4" name="Rechteck 3"/>
+              <a:rPr lang="de-DE" dirty="0"/>
+              <a:t>[[tag 2]]</a:t>
+            </a:r>
+          </a:p>
+        </p:txBody>
+      </p:sp>
+      <p:sp>
+        <p:nvSpPr>
+          <p:cNvPr id="5" name="Rechteck 4">
+            <a:extLst>
+              <a:ext uri="{FF2B5EF4-FFF2-40B4-BE49-F238E27FC236}">
+                <a16:creationId xmlns:a16="http://schemas.microsoft.com/office/drawing/2014/main" id="{99B71CC3-BE68-40CE-864A-121ABDA6CC64}"/>
+              </a:ext>
+            </a:extLst>
+          </p:cNvPr>
           <p:cNvSpPr/>
           <p:nvPr/>
         </p:nvSpPr>
         <p:spPr>
           <a:xfrm>
-            <a:off x="4860032" y="836712"/>
-            <a:ext cx="3456384" cy="5112568"/>
+            <a:off x="611559" y="4077072"/>
+            <a:ext cx="3816425" cy="2088232"/>
           </a:xfrm>
           <a:prstGeom prst="rect">
             <a:avLst/>
@@ -3385,14 +3355,9 @@
           <a:p>
             <a:pPr algn="ctr"/>
             <a:r>
-              <a:rPr lang="de-DE" dirty="0" smtClean="0"/>
-              <a:t>[[tag 2</a:t>
-            </a:r>
-            <a:r>
-              <a:rPr lang="de-DE" dirty="0" smtClean="0"/>
-              <a:t>]]</a:t>
-            </a:r>
-            <a:endParaRPr lang="de-DE" dirty="0" smtClean="0"/>
+              <a:rPr lang="de-DE" dirty="0"/>
+              <a:t>[[tag 2]]</a:t>
+            </a:r>
           </a:p>
         </p:txBody>
       </p:sp>

--- a/inst/template.pptx
+++ b/inst/template.pptx
@@ -306,7 +306,7 @@
             <a:fld id="{9FADFB46-7370-4D89-8DEB-8C3272B5D011}" type="datetimeFigureOut">
               <a:rPr lang="de-DE" smtClean="0"/>
               <a:pPr/>
-              <a:t>02.07.2018</a:t>
+              <a:t>15.04.2022</a:t>
             </a:fld>
             <a:endParaRPr lang="de-DE"/>
           </a:p>
@@ -471,7 +471,7 @@
             <a:fld id="{9FADFB46-7370-4D89-8DEB-8C3272B5D011}" type="datetimeFigureOut">
               <a:rPr lang="de-DE" smtClean="0"/>
               <a:pPr/>
-              <a:t>02.07.2018</a:t>
+              <a:t>15.04.2022</a:t>
             </a:fld>
             <a:endParaRPr lang="de-DE"/>
           </a:p>
@@ -646,7 +646,7 @@
             <a:fld id="{9FADFB46-7370-4D89-8DEB-8C3272B5D011}" type="datetimeFigureOut">
               <a:rPr lang="de-DE" smtClean="0"/>
               <a:pPr/>
-              <a:t>02.07.2018</a:t>
+              <a:t>15.04.2022</a:t>
             </a:fld>
             <a:endParaRPr lang="de-DE"/>
           </a:p>
@@ -811,7 +811,7 @@
             <a:fld id="{9FADFB46-7370-4D89-8DEB-8C3272B5D011}" type="datetimeFigureOut">
               <a:rPr lang="de-DE" smtClean="0"/>
               <a:pPr/>
-              <a:t>02.07.2018</a:t>
+              <a:t>15.04.2022</a:t>
             </a:fld>
             <a:endParaRPr lang="de-DE"/>
           </a:p>
@@ -1053,7 +1053,7 @@
             <a:fld id="{9FADFB46-7370-4D89-8DEB-8C3272B5D011}" type="datetimeFigureOut">
               <a:rPr lang="de-DE" smtClean="0"/>
               <a:pPr/>
-              <a:t>02.07.2018</a:t>
+              <a:t>15.04.2022</a:t>
             </a:fld>
             <a:endParaRPr lang="de-DE"/>
           </a:p>
@@ -1335,7 +1335,7 @@
             <a:fld id="{9FADFB46-7370-4D89-8DEB-8C3272B5D011}" type="datetimeFigureOut">
               <a:rPr lang="de-DE" smtClean="0"/>
               <a:pPr/>
-              <a:t>02.07.2018</a:t>
+              <a:t>15.04.2022</a:t>
             </a:fld>
             <a:endParaRPr lang="de-DE"/>
           </a:p>
@@ -1751,7 +1751,7 @@
             <a:fld id="{9FADFB46-7370-4D89-8DEB-8C3272B5D011}" type="datetimeFigureOut">
               <a:rPr lang="de-DE" smtClean="0"/>
               <a:pPr/>
-              <a:t>02.07.2018</a:t>
+              <a:t>15.04.2022</a:t>
             </a:fld>
             <a:endParaRPr lang="de-DE"/>
           </a:p>
@@ -1865,7 +1865,7 @@
             <a:fld id="{9FADFB46-7370-4D89-8DEB-8C3272B5D011}" type="datetimeFigureOut">
               <a:rPr lang="de-DE" smtClean="0"/>
               <a:pPr/>
-              <a:t>02.07.2018</a:t>
+              <a:t>15.04.2022</a:t>
             </a:fld>
             <a:endParaRPr lang="de-DE"/>
           </a:p>
@@ -1957,7 +1957,7 @@
             <a:fld id="{9FADFB46-7370-4D89-8DEB-8C3272B5D011}" type="datetimeFigureOut">
               <a:rPr lang="de-DE" smtClean="0"/>
               <a:pPr/>
-              <a:t>02.07.2018</a:t>
+              <a:t>15.04.2022</a:t>
             </a:fld>
             <a:endParaRPr lang="de-DE"/>
           </a:p>
@@ -2229,7 +2229,7 @@
             <a:fld id="{9FADFB46-7370-4D89-8DEB-8C3272B5D011}" type="datetimeFigureOut">
               <a:rPr lang="de-DE" smtClean="0"/>
               <a:pPr/>
-              <a:t>02.07.2018</a:t>
+              <a:t>15.04.2022</a:t>
             </a:fld>
             <a:endParaRPr lang="de-DE"/>
           </a:p>
@@ -2478,7 +2478,7 @@
             <a:fld id="{9FADFB46-7370-4D89-8DEB-8C3272B5D011}" type="datetimeFigureOut">
               <a:rPr lang="de-DE" smtClean="0"/>
               <a:pPr/>
-              <a:t>02.07.2018</a:t>
+              <a:t>15.04.2022</a:t>
             </a:fld>
             <a:endParaRPr lang="de-DE"/>
           </a:p>
@@ -2686,7 +2686,7 @@
             <a:fld id="{9FADFB46-7370-4D89-8DEB-8C3272B5D011}" type="datetimeFigureOut">
               <a:rPr lang="de-DE" smtClean="0"/>
               <a:pPr/>
-              <a:t>02.07.2018</a:t>
+              <a:t>15.04.2022</a:t>
             </a:fld>
             <a:endParaRPr lang="de-DE"/>
           </a:p>
@@ -3357,6 +3357,71 @@
             <a:r>
               <a:rPr lang="de-DE" dirty="0"/>
               <a:t>[[tag 2]]</a:t>
+            </a:r>
+          </a:p>
+        </p:txBody>
+      </p:sp>
+      <p:sp>
+        <p:nvSpPr>
+          <p:cNvPr id="2" name="Rechteck: abgerundete Ecken 1">
+            <a:extLst>
+              <a:ext uri="{FF2B5EF4-FFF2-40B4-BE49-F238E27FC236}">
+                <a16:creationId xmlns:a16="http://schemas.microsoft.com/office/drawing/2014/main" id="{4198BCD5-EEF4-4B64-887C-7DEB10D5AB70}"/>
+              </a:ext>
+            </a:extLst>
+          </p:cNvPr>
+          <p:cNvSpPr/>
+          <p:nvPr/>
+        </p:nvSpPr>
+        <p:spPr>
+          <a:xfrm>
+            <a:off x="6804248" y="152636"/>
+            <a:ext cx="2160240" cy="1080122"/>
+          </a:xfrm>
+          <a:prstGeom prst="roundRect">
+            <a:avLst/>
+          </a:prstGeom>
+        </p:spPr>
+        <p:style>
+          <a:lnRef idx="2">
+            <a:schemeClr val="accent1">
+              <a:shade val="50000"/>
+            </a:schemeClr>
+          </a:lnRef>
+          <a:fillRef idx="1">
+            <a:schemeClr val="accent1"/>
+          </a:fillRef>
+          <a:effectRef idx="0">
+            <a:schemeClr val="accent1"/>
+          </a:effectRef>
+          <a:fontRef idx="minor">
+            <a:schemeClr val="lt1"/>
+          </a:fontRef>
+        </p:style>
+        <p:txBody>
+          <a:bodyPr rtlCol="0" anchor="ctr"/>
+          <a:lstStyle/>
+          <a:p>
+            <a:pPr algn="ctr"/>
+            <a:r>
+              <a:rPr lang="de-DE" dirty="0"/>
+              <a:t>Some </a:t>
+            </a:r>
+            <a:r>
+              <a:rPr lang="de-DE" dirty="0" err="1"/>
+              <a:t>comment</a:t>
+            </a:r>
+            <a:r>
+              <a:rPr lang="de-DE" dirty="0"/>
+              <a:t> which should </a:t>
+            </a:r>
+            <a:r>
+              <a:rPr lang="de-DE" dirty="0" err="1"/>
+              <a:t>stay</a:t>
+            </a:r>
+            <a:r>
+              <a:rPr lang="de-DE" dirty="0"/>
+              <a:t> on top </a:t>
             </a:r>
           </a:p>
         </p:txBody>
